--- a/pitch.pptx
+++ b/pitch.pptx
@@ -5,11 +5,12 @@
     <p:sldMasterId id="2147483660" r:id="rId1"/>
   </p:sldMasterIdLst>
   <p:notesMasterIdLst>
-    <p:notesMasterId r:id="rId4"/>
+    <p:notesMasterId r:id="rId5"/>
   </p:notesMasterIdLst>
   <p:sldIdLst>
     <p:sldId id="256" r:id="rId2"/>
     <p:sldId id="257" r:id="rId3"/>
+    <p:sldId id="258" r:id="rId4"/>
   </p:sldIdLst>
   <p:sldSz cx="9144000" cy="6858000" type="screen4x3"/>
   <p:notesSz cx="6858000" cy="9144000"/>
@@ -1101,15 +1102,23 @@
             <p:ph type="title"/>
           </p:nvPr>
         </p:nvSpPr>
-        <p:spPr/>
-        <p:txBody>
-          <a:bodyPr/>
+        <p:spPr>
+          <a:xfrm>
+            <a:off x="2813539" y="404443"/>
+            <a:ext cx="6229350" cy="571501"/>
+          </a:xfrm>
+        </p:spPr>
+        <p:txBody>
+          <a:bodyPr>
+            <a:noAutofit/>
+          </a:bodyPr>
           <a:lstStyle>
-            <a:lvl1pPr>
-              <a:defRPr>
+            <a:lvl1pPr algn="r">
+              <a:defRPr sz="4400" b="1">
                 <a:solidFill>
                   <a:schemeClr val="tx1"/>
                 </a:solidFill>
+                <a:latin typeface="Tw Cen MT" panose="020B0602020104020603" pitchFamily="34" charset="0"/>
               </a:defRPr>
             </a:lvl1pPr>
           </a:lstStyle>
@@ -1241,6 +1250,42 @@
           </a:p>
         </p:txBody>
       </p:sp>
+      <p:pic>
+        <p:nvPicPr>
+          <p:cNvPr id="8" name="Content Placeholder 6">
+            <a:extLst>
+              <a:ext uri="{FF2B5EF4-FFF2-40B4-BE49-F238E27FC236}">
+                <a16:creationId xmlns:a16="http://schemas.microsoft.com/office/drawing/2014/main" id="{A61B2082-994E-4482-AA85-3CE701E3249A}"/>
+              </a:ext>
+            </a:extLst>
+          </p:cNvPr>
+          <p:cNvPicPr>
+            <a:picLocks noChangeAspect="1"/>
+          </p:cNvPicPr>
+          <p:nvPr userDrawn="1"/>
+        </p:nvPicPr>
+        <p:blipFill>
+          <a:blip r:embed="rId2">
+            <a:extLst>
+              <a:ext uri="{28A0092B-C50C-407E-A947-70E740481C1C}">
+                <a14:useLocalDpi xmlns:a14="http://schemas.microsoft.com/office/drawing/2010/main" val="0"/>
+              </a:ext>
+            </a:extLst>
+          </a:blip>
+          <a:stretch>
+            <a:fillRect/>
+          </a:stretch>
+        </p:blipFill>
+        <p:spPr>
+          <a:xfrm>
+            <a:off x="123092" y="139243"/>
+            <a:ext cx="2532185" cy="775158"/>
+          </a:xfrm>
+          <a:prstGeom prst="rect">
+            <a:avLst/>
+          </a:prstGeom>
+        </p:spPr>
+      </p:pic>
     </p:spTree>
     <p:extLst>
       <p:ext uri="{BB962C8B-B14F-4D97-AF65-F5344CB8AC3E}">
@@ -3780,48 +3825,19 @@
         </p:nvSpPr>
         <p:spPr/>
         <p:txBody>
-          <a:bodyPr/>
-          <a:lstStyle/>
-          <a:p>
+          <a:bodyPr>
+            <a:normAutofit fontScale="90000"/>
+          </a:bodyPr>
+          <a:lstStyle/>
+          <a:p>
+            <a:r>
+              <a:rPr lang="pt-PT" dirty="0" err="1"/>
+              <a:t>Concept</a:t>
+            </a:r>
             <a:endParaRPr lang="en-GB" dirty="0"/>
           </a:p>
         </p:txBody>
       </p:sp>
-      <p:pic>
-        <p:nvPicPr>
-          <p:cNvPr id="7" name="Content Placeholder 6">
-            <a:extLst>
-              <a:ext uri="{FF2B5EF4-FFF2-40B4-BE49-F238E27FC236}">
-                <a16:creationId xmlns:a16="http://schemas.microsoft.com/office/drawing/2014/main" id="{6B73DD0B-081B-4DE3-96FF-5750D9BE5A08}"/>
-              </a:ext>
-            </a:extLst>
-          </p:cNvPr>
-          <p:cNvPicPr>
-            <a:picLocks noGrp="1" noChangeAspect="1"/>
-          </p:cNvPicPr>
-          <p:nvPr>
-            <p:ph idx="1"/>
-          </p:nvPr>
-        </p:nvPicPr>
-        <p:blipFill>
-          <a:blip r:embed="rId2">
-            <a:extLst>
-              <a:ext uri="{28A0092B-C50C-407E-A947-70E740481C1C}">
-                <a14:useLocalDpi xmlns:a14="http://schemas.microsoft.com/office/drawing/2010/main" val="0"/>
-              </a:ext>
-            </a:extLst>
-          </a:blip>
-          <a:stretch>
-            <a:fillRect/>
-          </a:stretch>
-        </p:blipFill>
-        <p:spPr>
-          <a:xfrm>
-            <a:off x="123092" y="139243"/>
-            <a:ext cx="2532185" cy="775158"/>
-          </a:xfrm>
-        </p:spPr>
-      </p:pic>
       <p:sp>
         <p:nvSpPr>
           <p:cNvPr id="4" name="Footer Placeholder 3">
@@ -3894,7 +3910,7 @@
           <p:nvPr/>
         </p:nvPicPr>
         <p:blipFill>
-          <a:blip r:embed="rId3">
+          <a:blip r:embed="rId2">
             <a:extLst>
               <a:ext uri="{28A0092B-C50C-407E-A947-70E740481C1C}">
                 <a14:useLocalDpi xmlns:a14="http://schemas.microsoft.com/office/drawing/2010/main" val="0"/>
@@ -3919,6 +3935,163 @@
     <p:extLst>
       <p:ext uri="{BB962C8B-B14F-4D97-AF65-F5344CB8AC3E}">
         <p14:creationId xmlns:p14="http://schemas.microsoft.com/office/powerpoint/2010/main" val="1421720351"/>
+      </p:ext>
+    </p:extLst>
+  </p:cSld>
+  <p:clrMapOvr>
+    <a:masterClrMapping/>
+  </p:clrMapOvr>
+</p:sld>
+</file>
+
+<file path=ppt/slides/slide3.xml><?xml version="1.0" encoding="utf-8"?>
+<p:sld xmlns:a="http://schemas.openxmlformats.org/drawingml/2006/main" xmlns:r="http://schemas.openxmlformats.org/officeDocument/2006/relationships" xmlns:p="http://schemas.openxmlformats.org/presentationml/2006/main" show="0">
+  <p:cSld>
+    <p:spTree>
+      <p:nvGrpSpPr>
+        <p:cNvPr id="1" name=""/>
+        <p:cNvGrpSpPr/>
+        <p:nvPr/>
+      </p:nvGrpSpPr>
+      <p:grpSpPr>
+        <a:xfrm>
+          <a:off x="0" y="0"/>
+          <a:ext cx="0" cy="0"/>
+          <a:chOff x="0" y="0"/>
+          <a:chExt cx="0" cy="0"/>
+        </a:xfrm>
+      </p:grpSpPr>
+      <p:sp>
+        <p:nvSpPr>
+          <p:cNvPr id="2" name="Title 1">
+            <a:extLst>
+              <a:ext uri="{FF2B5EF4-FFF2-40B4-BE49-F238E27FC236}">
+                <a16:creationId xmlns:a16="http://schemas.microsoft.com/office/drawing/2014/main" id="{BB4AC53D-3F0E-4280-9B51-58E807A650EF}"/>
+              </a:ext>
+            </a:extLst>
+          </p:cNvPr>
+          <p:cNvSpPr>
+            <a:spLocks noGrp="1"/>
+          </p:cNvSpPr>
+          <p:nvPr>
+            <p:ph type="title"/>
+          </p:nvPr>
+        </p:nvSpPr>
+        <p:spPr/>
+        <p:txBody>
+          <a:bodyPr>
+            <a:normAutofit fontScale="90000"/>
+          </a:bodyPr>
+          <a:lstStyle/>
+          <a:p>
+            <a:r>
+              <a:rPr lang="pt-PT" dirty="0"/>
+              <a:t>Business </a:t>
+            </a:r>
+            <a:r>
+              <a:rPr lang="pt-PT" dirty="0" err="1"/>
+              <a:t>Model</a:t>
+            </a:r>
+            <a:endParaRPr lang="en-GB" dirty="0"/>
+          </a:p>
+        </p:txBody>
+      </p:sp>
+      <p:pic>
+        <p:nvPicPr>
+          <p:cNvPr id="7" name="Content Placeholder 6">
+            <a:extLst>
+              <a:ext uri="{FF2B5EF4-FFF2-40B4-BE49-F238E27FC236}">
+                <a16:creationId xmlns:a16="http://schemas.microsoft.com/office/drawing/2014/main" id="{B111A73D-D335-4173-AB0E-E66A96D50206}"/>
+              </a:ext>
+            </a:extLst>
+          </p:cNvPr>
+          <p:cNvPicPr>
+            <a:picLocks noGrp="1" noChangeAspect="1"/>
+          </p:cNvPicPr>
+          <p:nvPr>
+            <p:ph idx="1"/>
+          </p:nvPr>
+        </p:nvPicPr>
+        <p:blipFill>
+          <a:blip r:embed="rId2">
+            <a:extLst>
+              <a:ext uri="{28A0092B-C50C-407E-A947-70E740481C1C}">
+                <a14:useLocalDpi xmlns:a14="http://schemas.microsoft.com/office/drawing/2010/main" val="0"/>
+              </a:ext>
+            </a:extLst>
+          </a:blip>
+          <a:stretch>
+            <a:fillRect/>
+          </a:stretch>
+        </p:blipFill>
+        <p:spPr>
+          <a:xfrm>
+            <a:off x="32733" y="1995855"/>
+            <a:ext cx="9033093" cy="3349868"/>
+          </a:xfrm>
+        </p:spPr>
+      </p:pic>
+      <p:sp>
+        <p:nvSpPr>
+          <p:cNvPr id="4" name="Footer Placeholder 3">
+            <a:extLst>
+              <a:ext uri="{FF2B5EF4-FFF2-40B4-BE49-F238E27FC236}">
+                <a16:creationId xmlns:a16="http://schemas.microsoft.com/office/drawing/2014/main" id="{D1AB6187-8D49-4256-902A-9DCCD140A9A3}"/>
+              </a:ext>
+            </a:extLst>
+          </p:cNvPr>
+          <p:cNvSpPr>
+            <a:spLocks noGrp="1"/>
+          </p:cNvSpPr>
+          <p:nvPr>
+            <p:ph type="ftr" sz="quarter" idx="11"/>
+          </p:nvPr>
+        </p:nvSpPr>
+        <p:spPr/>
+        <p:txBody>
+          <a:bodyPr/>
+          <a:lstStyle/>
+          <a:p>
+            <a:r>
+              <a:rPr lang="en-GB"/>
+              <a:t>Hack For Good 2018</a:t>
+            </a:r>
+          </a:p>
+        </p:txBody>
+      </p:sp>
+      <p:sp>
+        <p:nvSpPr>
+          <p:cNvPr id="5" name="Slide Number Placeholder 4">
+            <a:extLst>
+              <a:ext uri="{FF2B5EF4-FFF2-40B4-BE49-F238E27FC236}">
+                <a16:creationId xmlns:a16="http://schemas.microsoft.com/office/drawing/2014/main" id="{58D33ADB-B5FC-4F5A-8FF9-30F22F3125CE}"/>
+              </a:ext>
+            </a:extLst>
+          </p:cNvPr>
+          <p:cNvSpPr>
+            <a:spLocks noGrp="1"/>
+          </p:cNvSpPr>
+          <p:nvPr>
+            <p:ph type="sldNum" sz="quarter" idx="12"/>
+          </p:nvPr>
+        </p:nvSpPr>
+        <p:spPr/>
+        <p:txBody>
+          <a:bodyPr/>
+          <a:lstStyle/>
+          <a:p>
+            <a:fld id="{2B09D02D-B0CF-45FD-A4BB-137B2B233C96}" type="slidenum">
+              <a:rPr lang="en-GB" smtClean="0"/>
+              <a:t>3</a:t>
+            </a:fld>
+            <a:endParaRPr lang="en-GB"/>
+          </a:p>
+        </p:txBody>
+      </p:sp>
+    </p:spTree>
+    <p:extLst>
+      <p:ext uri="{BB962C8B-B14F-4D97-AF65-F5344CB8AC3E}">
+        <p14:creationId xmlns:p14="http://schemas.microsoft.com/office/powerpoint/2010/main" val="1930888317"/>
       </p:ext>
     </p:extLst>
   </p:cSld>
